--- a/git/git.pptx
+++ b/git/git.pptx
@@ -113,6 +113,9 @@
           </p14:sldIdLst>
         </p14:section>
       </p14:sectionLst>
+    </p:ext>
+    <p:ext uri="{EFAFB233-063F-42B5-8137-9DF3F51BA10A}">
+      <p15:sldGuideLst xmlns:p15="http://schemas.microsoft.com/office/powerpoint/2012/main"/>
     </p:ext>
   </p:extLst>
 </p:presentation>
@@ -2991,7 +2994,7 @@
           </a:prstGeom>
           <a:ln w="28575">
             <a:solidFill>
-              <a:schemeClr val="tx1"/>
+              <a:srgbClr val="A2A1A1"/>
             </a:solidFill>
             <a:tailEnd type="triangle"/>
           </a:ln>
@@ -3021,6 +3024,13 @@
         </p:nvPicPr>
         <p:blipFill>
           <a:blip r:embed="rId2" cstate="print">
+            <a:duotone>
+              <a:schemeClr val="bg2">
+                <a:shade val="45000"/>
+                <a:satMod val="135000"/>
+              </a:schemeClr>
+              <a:prstClr val="white"/>
+            </a:duotone>
             <a:extLst>
               <a:ext uri="{28A0092B-C50C-407E-A947-70E740481C1C}">
                 <a14:useLocalDpi xmlns:a14="http://schemas.microsoft.com/office/drawing/2010/main" val="0"/>
@@ -3039,6 +3049,7 @@
           <a:prstGeom prst="rect">
             <a:avLst/>
           </a:prstGeom>
+          <a:noFill/>
         </p:spPr>
       </p:pic>
       <p:sp>
@@ -3107,6 +3118,13 @@
         </p:nvPicPr>
         <p:blipFill>
           <a:blip r:embed="rId2" cstate="print">
+            <a:duotone>
+              <a:schemeClr val="bg2">
+                <a:shade val="45000"/>
+                <a:satMod val="135000"/>
+              </a:schemeClr>
+              <a:prstClr val="white"/>
+            </a:duotone>
             <a:extLst>
               <a:ext uri="{28A0092B-C50C-407E-A947-70E740481C1C}">
                 <a14:useLocalDpi xmlns:a14="http://schemas.microsoft.com/office/drawing/2010/main" val="0"/>
@@ -3125,6 +3143,7 @@
           <a:prstGeom prst="rect">
             <a:avLst/>
           </a:prstGeom>
+          <a:noFill/>
         </p:spPr>
       </p:pic>
       <p:sp>
@@ -3193,6 +3212,13 @@
         </p:nvPicPr>
         <p:blipFill>
           <a:blip r:embed="rId2" cstate="print">
+            <a:duotone>
+              <a:schemeClr val="bg2">
+                <a:shade val="45000"/>
+                <a:satMod val="135000"/>
+              </a:schemeClr>
+              <a:prstClr val="white"/>
+            </a:duotone>
             <a:extLst>
               <a:ext uri="{28A0092B-C50C-407E-A947-70E740481C1C}">
                 <a14:useLocalDpi xmlns:a14="http://schemas.microsoft.com/office/drawing/2010/main" val="0"/>
@@ -3211,6 +3237,7 @@
           <a:prstGeom prst="rect">
             <a:avLst/>
           </a:prstGeom>
+          <a:noFill/>
         </p:spPr>
       </p:pic>
       <p:sp>
@@ -3285,7 +3312,7 @@
           </a:prstGeom>
           <a:ln w="28575">
             <a:solidFill>
-              <a:schemeClr val="tx1"/>
+              <a:srgbClr val="A2A1A1"/>
             </a:solidFill>
             <a:tailEnd type="triangle"/>
           </a:ln>
@@ -3315,6 +3342,13 @@
         </p:nvPicPr>
         <p:blipFill>
           <a:blip r:embed="rId2" cstate="print">
+            <a:duotone>
+              <a:schemeClr val="bg2">
+                <a:shade val="45000"/>
+                <a:satMod val="135000"/>
+              </a:schemeClr>
+              <a:prstClr val="white"/>
+            </a:duotone>
             <a:extLst>
               <a:ext uri="{28A0092B-C50C-407E-A947-70E740481C1C}">
                 <a14:useLocalDpi xmlns:a14="http://schemas.microsoft.com/office/drawing/2010/main" val="0"/>
@@ -3333,6 +3367,7 @@
           <a:prstGeom prst="rect">
             <a:avLst/>
           </a:prstGeom>
+          <a:noFill/>
         </p:spPr>
       </p:pic>
       <p:sp>
@@ -3401,6 +3436,13 @@
         </p:nvPicPr>
         <p:blipFill>
           <a:blip r:embed="rId2" cstate="print">
+            <a:duotone>
+              <a:schemeClr val="bg2">
+                <a:shade val="45000"/>
+                <a:satMod val="135000"/>
+              </a:schemeClr>
+              <a:prstClr val="white"/>
+            </a:duotone>
             <a:extLst>
               <a:ext uri="{28A0092B-C50C-407E-A947-70E740481C1C}">
                 <a14:useLocalDpi xmlns:a14="http://schemas.microsoft.com/office/drawing/2010/main" val="0"/>
@@ -3419,6 +3461,7 @@
           <a:prstGeom prst="rect">
             <a:avLst/>
           </a:prstGeom>
+          <a:noFill/>
         </p:spPr>
       </p:pic>
       <p:sp>
@@ -3487,6 +3530,13 @@
         </p:nvPicPr>
         <p:blipFill>
           <a:blip r:embed="rId2" cstate="print">
+            <a:duotone>
+              <a:schemeClr val="bg2">
+                <a:shade val="45000"/>
+                <a:satMod val="135000"/>
+              </a:schemeClr>
+              <a:prstClr val="white"/>
+            </a:duotone>
             <a:extLst>
               <a:ext uri="{28A0092B-C50C-407E-A947-70E740481C1C}">
                 <a14:useLocalDpi xmlns:a14="http://schemas.microsoft.com/office/drawing/2010/main" val="0"/>
@@ -3505,6 +3555,7 @@
           <a:prstGeom prst="rect">
             <a:avLst/>
           </a:prstGeom>
+          <a:noFill/>
         </p:spPr>
       </p:pic>
       <p:sp>
@@ -3631,6 +3682,13 @@
   <p:clrMapOvr>
     <a:masterClrMapping/>
   </p:clrMapOvr>
+  <p:timing>
+    <p:tnLst>
+      <p:par>
+        <p:cTn id="1" dur="indefinite" restart="never" nodeType="tmRoot"/>
+      </p:par>
+    </p:tnLst>
+  </p:timing>
 </p:sld>
 </file>
 
